--- a/Presentation/02_Express.pptx
+++ b/Presentation/02_Express.pptx
@@ -5,7 +5,7 @@
     <p:sldMasterId id="2147483660" r:id="rId1"/>
   </p:sldMasterIdLst>
   <p:notesMasterIdLst>
-    <p:notesMasterId r:id="rId18"/>
+    <p:notesMasterId r:id="rId19"/>
   </p:notesMasterIdLst>
   <p:sldIdLst>
     <p:sldId id="257" r:id="rId2"/>
@@ -23,7 +23,8 @@
     <p:sldId id="269" r:id="rId14"/>
     <p:sldId id="270" r:id="rId15"/>
     <p:sldId id="271" r:id="rId16"/>
-    <p:sldId id="272" r:id="rId17"/>
+    <p:sldId id="273" r:id="rId17"/>
+    <p:sldId id="272" r:id="rId18"/>
   </p:sldIdLst>
   <p:sldSz cx="12192000" cy="6858000"/>
   <p:notesSz cx="6858000" cy="9144000"/>
@@ -150,10 +151,14 @@
             <p14:sldId id="269"/>
             <p14:sldId id="270"/>
             <p14:sldId id="271"/>
+            <p14:sldId id="273"/>
             <p14:sldId id="272"/>
           </p14:sldIdLst>
         </p14:section>
       </p14:sectionLst>
+    </p:ext>
+    <p:ext uri="{EFAFB233-063F-42B5-8137-9DF3F51BA10A}">
+      <p15:sldGuideLst xmlns:p15="http://schemas.microsoft.com/office/powerpoint/2012/main"/>
     </p:ext>
   </p:extLst>
 </p:presentation>
@@ -241,7 +246,7 @@
           <a:p>
             <a:fld id="{E0D90445-9619-44AC-9553-CDB32C1940DB}" type="datetimeFigureOut">
               <a:rPr lang="en-US" smtClean="0"/>
-              <a:t>9/14/2015</a:t>
+              <a:t>9/15/2015</a:t>
             </a:fld>
             <a:endParaRPr lang="en-US"/>
           </a:p>
@@ -732,7 +737,7 @@
           <a:p>
             <a:fld id="{9C67874E-EC79-472A-94B3-030C8C17ED20}" type="datetimeFigureOut">
               <a:rPr lang="en-US" smtClean="0"/>
-              <a:t>9/14/2015</a:t>
+              <a:t>9/15/2015</a:t>
             </a:fld>
             <a:endParaRPr lang="en-US"/>
           </a:p>
@@ -909,7 +914,7 @@
           <a:p>
             <a:fld id="{9C67874E-EC79-472A-94B3-030C8C17ED20}" type="datetimeFigureOut">
               <a:rPr lang="en-US" smtClean="0"/>
-              <a:t>9/14/2015</a:t>
+              <a:t>9/15/2015</a:t>
             </a:fld>
             <a:endParaRPr lang="en-US"/>
           </a:p>
@@ -1096,7 +1101,7 @@
           <a:p>
             <a:fld id="{9C67874E-EC79-472A-94B3-030C8C17ED20}" type="datetimeFigureOut">
               <a:rPr lang="en-US" smtClean="0"/>
-              <a:t>9/14/2015</a:t>
+              <a:t>9/15/2015</a:t>
             </a:fld>
             <a:endParaRPr lang="en-US"/>
           </a:p>
@@ -1247,7 +1252,7 @@
           <a:p>
             <a:fld id="{9C67874E-EC79-472A-94B3-030C8C17ED20}" type="datetimeFigureOut">
               <a:rPr lang="en-US" smtClean="0"/>
-              <a:t>9/14/2015</a:t>
+              <a:t>9/15/2015</a:t>
             </a:fld>
             <a:endParaRPr lang="en-US"/>
           </a:p>
@@ -1374,7 +1379,7 @@
           <a:p>
             <a:fld id="{9C67874E-EC79-472A-94B3-030C8C17ED20}" type="datetimeFigureOut">
               <a:rPr lang="en-US" smtClean="0"/>
-              <a:t>9/14/2015</a:t>
+              <a:t>9/15/2015</a:t>
             </a:fld>
             <a:endParaRPr lang="en-US"/>
           </a:p>
@@ -1544,7 +1549,7 @@
           <a:p>
             <a:fld id="{9C67874E-EC79-472A-94B3-030C8C17ED20}" type="datetimeFigureOut">
               <a:rPr lang="en-US" smtClean="0"/>
-              <a:t>9/14/2015</a:t>
+              <a:t>9/15/2015</a:t>
             </a:fld>
             <a:endParaRPr lang="en-US"/>
           </a:p>
@@ -1797,7 +1802,7 @@
           <a:p>
             <a:fld id="{9C67874E-EC79-472A-94B3-030C8C17ED20}" type="datetimeFigureOut">
               <a:rPr lang="en-US" smtClean="0"/>
-              <a:t>9/14/2015</a:t>
+              <a:t>9/15/2015</a:t>
             </a:fld>
             <a:endParaRPr lang="en-US"/>
           </a:p>
@@ -2036,7 +2041,7 @@
           <a:p>
             <a:fld id="{9C67874E-EC79-472A-94B3-030C8C17ED20}" type="datetimeFigureOut">
               <a:rPr lang="en-US" smtClean="0"/>
-              <a:t>9/14/2015</a:t>
+              <a:t>9/15/2015</a:t>
             </a:fld>
             <a:endParaRPr lang="en-US"/>
           </a:p>
@@ -2410,7 +2415,7 @@
           <a:p>
             <a:fld id="{9C67874E-EC79-472A-94B3-030C8C17ED20}" type="datetimeFigureOut">
               <a:rPr lang="en-US" smtClean="0"/>
-              <a:t>9/14/2015</a:t>
+              <a:t>9/15/2015</a:t>
             </a:fld>
             <a:endParaRPr lang="en-US"/>
           </a:p>
@@ -2535,7 +2540,7 @@
           <a:p>
             <a:fld id="{9C67874E-EC79-472A-94B3-030C8C17ED20}" type="datetimeFigureOut">
               <a:rPr lang="en-US" smtClean="0"/>
-              <a:t>9/14/2015</a:t>
+              <a:t>9/15/2015</a:t>
             </a:fld>
             <a:endParaRPr lang="en-US"/>
           </a:p>
@@ -2637,7 +2642,7 @@
           <a:p>
             <a:fld id="{9C67874E-EC79-472A-94B3-030C8C17ED20}" type="datetimeFigureOut">
               <a:rPr lang="en-US" smtClean="0"/>
-              <a:t>9/14/2015</a:t>
+              <a:t>9/15/2015</a:t>
             </a:fld>
             <a:endParaRPr lang="en-US"/>
           </a:p>
@@ -2921,7 +2926,7 @@
           <a:p>
             <a:fld id="{9C67874E-EC79-472A-94B3-030C8C17ED20}" type="datetimeFigureOut">
               <a:rPr lang="en-US" smtClean="0"/>
-              <a:t>9/14/2015</a:t>
+              <a:t>9/15/2015</a:t>
             </a:fld>
             <a:endParaRPr lang="en-US"/>
           </a:p>
@@ -3178,7 +3183,7 @@
           <a:p>
             <a:fld id="{9C67874E-EC79-472A-94B3-030C8C17ED20}" type="datetimeFigureOut">
               <a:rPr lang="en-US" smtClean="0"/>
-              <a:t>9/14/2015</a:t>
+              <a:t>9/15/2015</a:t>
             </a:fld>
             <a:endParaRPr lang="en-US"/>
           </a:p>
@@ -3391,7 +3396,7 @@
           <a:p>
             <a:fld id="{9C67874E-EC79-472A-94B3-030C8C17ED20}" type="datetimeFigureOut">
               <a:rPr lang="en-US" smtClean="0"/>
-              <a:t>9/14/2015</a:t>
+              <a:t>9/15/2015</a:t>
             </a:fld>
             <a:endParaRPr lang="en-US"/>
           </a:p>
@@ -4656,11 +4661,41 @@
                 <a:tableStyleId>{793D81CF-94F2-401A-BA57-92F5A7B2D0C5}</a:tableStyleId>
               </a:tblPr>
               <a:tblGrid>
-                <a:gridCol w="2103179"/>
-                <a:gridCol w="1580307"/>
-                <a:gridCol w="2626050"/>
-                <a:gridCol w="2103179"/>
-                <a:gridCol w="2103179"/>
+                <a:gridCol w="2103179">
+                  <a:extLst>
+                    <a:ext uri="{9D8B030D-6E8A-4147-A177-3AD203B41FA5}">
+                      <a16:colId xmlns:a16="http://schemas.microsoft.com/office/drawing/2014/main" val="20000"/>
+                    </a:ext>
+                  </a:extLst>
+                </a:gridCol>
+                <a:gridCol w="1580307">
+                  <a:extLst>
+                    <a:ext uri="{9D8B030D-6E8A-4147-A177-3AD203B41FA5}">
+                      <a16:colId xmlns:a16="http://schemas.microsoft.com/office/drawing/2014/main" val="20001"/>
+                    </a:ext>
+                  </a:extLst>
+                </a:gridCol>
+                <a:gridCol w="2626050">
+                  <a:extLst>
+                    <a:ext uri="{9D8B030D-6E8A-4147-A177-3AD203B41FA5}">
+                      <a16:colId xmlns:a16="http://schemas.microsoft.com/office/drawing/2014/main" val="20002"/>
+                    </a:ext>
+                  </a:extLst>
+                </a:gridCol>
+                <a:gridCol w="2103179">
+                  <a:extLst>
+                    <a:ext uri="{9D8B030D-6E8A-4147-A177-3AD203B41FA5}">
+                      <a16:colId xmlns:a16="http://schemas.microsoft.com/office/drawing/2014/main" val="20003"/>
+                    </a:ext>
+                  </a:extLst>
+                </a:gridCol>
+                <a:gridCol w="2103179">
+                  <a:extLst>
+                    <a:ext uri="{9D8B030D-6E8A-4147-A177-3AD203B41FA5}">
+                      <a16:colId xmlns:a16="http://schemas.microsoft.com/office/drawing/2014/main" val="20004"/>
+                    </a:ext>
+                  </a:extLst>
+                </a:gridCol>
               </a:tblGrid>
               <a:tr h="463755">
                 <a:tc>
@@ -4748,6 +4783,11 @@
                   </a:txBody>
                   <a:tcPr marL="85757" marR="85757" anchor="ctr"/>
                 </a:tc>
+                <a:extLst>
+                  <a:ext uri="{0D108BD9-81ED-4DB2-BD59-A6C34878D82A}">
+                    <a16:rowId xmlns:a16="http://schemas.microsoft.com/office/drawing/2014/main" val="10000"/>
+                  </a:ext>
+                </a:extLst>
               </a:tr>
               <a:tr h="2025878">
                 <a:tc>
@@ -4871,6 +4911,11 @@
                   </a:txBody>
                   <a:tcPr marL="85757" marR="85757" anchor="ctr"/>
                 </a:tc>
+                <a:extLst>
+                  <a:ext uri="{0D108BD9-81ED-4DB2-BD59-A6C34878D82A}">
+                    <a16:rowId xmlns:a16="http://schemas.microsoft.com/office/drawing/2014/main" val="10001"/>
+                  </a:ext>
+                </a:extLst>
               </a:tr>
               <a:tr h="2218546">
                 <a:tc>
@@ -4982,6 +5027,11 @@
                   </a:txBody>
                   <a:tcPr marL="85757" marR="85757" anchor="ctr"/>
                 </a:tc>
+                <a:extLst>
+                  <a:ext uri="{0D108BD9-81ED-4DB2-BD59-A6C34878D82A}">
+                    <a16:rowId xmlns:a16="http://schemas.microsoft.com/office/drawing/2014/main" val="10002"/>
+                  </a:ext>
+                </a:extLst>
               </a:tr>
             </a:tbl>
           </a:graphicData>
@@ -5076,6 +5126,82 @@
 </file>
 
 <file path=ppt/slides/slide16.xml><?xml version="1.0" encoding="utf-8"?>
+<p:sld xmlns:a="http://schemas.openxmlformats.org/drawingml/2006/main" xmlns:r="http://schemas.openxmlformats.org/officeDocument/2006/relationships" xmlns:p="http://schemas.openxmlformats.org/presentationml/2006/main">
+  <p:cSld>
+    <p:spTree>
+      <p:nvGrpSpPr>
+        <p:cNvPr id="1" name=""/>
+        <p:cNvGrpSpPr/>
+        <p:nvPr/>
+      </p:nvGrpSpPr>
+      <p:grpSpPr>
+        <a:xfrm>
+          <a:off x="0" y="0"/>
+          <a:ext cx="0" cy="0"/>
+          <a:chOff x="0" y="0"/>
+          <a:chExt cx="0" cy="0"/>
+        </a:xfrm>
+      </p:grpSpPr>
+      <p:sp>
+        <p:nvSpPr>
+          <p:cNvPr id="2" name="Title 1"/>
+          <p:cNvSpPr>
+            <a:spLocks noGrp="1"/>
+          </p:cNvSpPr>
+          <p:nvPr>
+            <p:ph type="title"/>
+          </p:nvPr>
+        </p:nvSpPr>
+        <p:spPr/>
+        <p:txBody>
+          <a:bodyPr/>
+          <a:lstStyle/>
+          <a:p>
+            <a:r>
+              <a:rPr lang="en-US" dirty="0" smtClean="0"/>
+              <a:t>Challenge: Build a REST API &amp; Connect to it </a:t>
+            </a:r>
+            <a:r>
+              <a:rPr lang="en-US" smtClean="0"/>
+              <a:t>with jQuery</a:t>
+            </a:r>
+            <a:endParaRPr lang="en-US" dirty="0"/>
+          </a:p>
+        </p:txBody>
+      </p:sp>
+      <p:sp>
+        <p:nvSpPr>
+          <p:cNvPr id="3" name="Text Placeholder 2"/>
+          <p:cNvSpPr>
+            <a:spLocks noGrp="1"/>
+          </p:cNvSpPr>
+          <p:nvPr>
+            <p:ph type="body" idx="1"/>
+          </p:nvPr>
+        </p:nvSpPr>
+        <p:spPr/>
+        <p:txBody>
+          <a:bodyPr/>
+          <a:lstStyle/>
+          <a:p>
+            <a:endParaRPr lang="en-US"/>
+          </a:p>
+        </p:txBody>
+      </p:sp>
+    </p:spTree>
+    <p:extLst>
+      <p:ext uri="{BB962C8B-B14F-4D97-AF65-F5344CB8AC3E}">
+        <p14:creationId xmlns:p14="http://schemas.microsoft.com/office/powerpoint/2010/main" val="395403864"/>
+      </p:ext>
+    </p:extLst>
+  </p:cSld>
+  <p:clrMapOvr>
+    <a:masterClrMapping/>
+  </p:clrMapOvr>
+</p:sld>
+</file>
+
+<file path=ppt/slides/slide17.xml><?xml version="1.0" encoding="utf-8"?>
 <p:sld xmlns:a="http://schemas.openxmlformats.org/drawingml/2006/main" xmlns:r="http://schemas.openxmlformats.org/officeDocument/2006/relationships" xmlns:p="http://schemas.openxmlformats.org/presentationml/2006/main">
   <p:cSld>
     <p:spTree>
@@ -5279,7 +5405,6 @@
               <a:rPr lang="en-US" dirty="0"/>
               <a:t>02 | Introduction to Express</a:t>
             </a:r>
-            <a:endParaRPr lang="en-US" dirty="0"/>
           </a:p>
         </p:txBody>
       </p:sp>
